--- a/docs/assets/fractals/hexagons/hexaflake-rotated.pptx
+++ b/docs/assets/fractals/hexagons/hexaflake-rotated.pptx
@@ -104,6 +104,11 @@
       </a:defRPr>
     </a:lvl9pPr>
   </p:defaultTextStyle>
+  <p:extLst>
+    <p:ext uri="{EFAFB233-063F-42B5-8137-9DF3F51BA10A}">
+      <p15:sldGuideLst xmlns:p15="http://schemas.microsoft.com/office/powerpoint/2012/main"/>
+    </p:ext>
+  </p:extLst>
 </p:presentation>
 </file>
 
@@ -238,7 +243,7 @@
           <a:p>
             <a:fld id="{508C4F5B-0C92-EA47-A096-AA25B23AE7F0}" type="datetimeFigureOut">
               <a:rPr lang="en-GB" smtClean="0"/>
-              <a:t>23/08/2024</a:t>
+              <a:t>26/10/2024</a:t>
             </a:fld>
             <a:endParaRPr lang="en-GB"/>
           </a:p>
@@ -408,7 +413,7 @@
           <a:p>
             <a:fld id="{508C4F5B-0C92-EA47-A096-AA25B23AE7F0}" type="datetimeFigureOut">
               <a:rPr lang="en-GB" smtClean="0"/>
-              <a:t>23/08/2024</a:t>
+              <a:t>26/10/2024</a:t>
             </a:fld>
             <a:endParaRPr lang="en-GB"/>
           </a:p>
@@ -588,7 +593,7 @@
           <a:p>
             <a:fld id="{508C4F5B-0C92-EA47-A096-AA25B23AE7F0}" type="datetimeFigureOut">
               <a:rPr lang="en-GB" smtClean="0"/>
-              <a:t>23/08/2024</a:t>
+              <a:t>26/10/2024</a:t>
             </a:fld>
             <a:endParaRPr lang="en-GB"/>
           </a:p>
@@ -758,7 +763,7 @@
           <a:p>
             <a:fld id="{508C4F5B-0C92-EA47-A096-AA25B23AE7F0}" type="datetimeFigureOut">
               <a:rPr lang="en-GB" smtClean="0"/>
-              <a:t>23/08/2024</a:t>
+              <a:t>26/10/2024</a:t>
             </a:fld>
             <a:endParaRPr lang="en-GB"/>
           </a:p>
@@ -1002,7 +1007,7 @@
           <a:p>
             <a:fld id="{508C4F5B-0C92-EA47-A096-AA25B23AE7F0}" type="datetimeFigureOut">
               <a:rPr lang="en-GB" smtClean="0"/>
-              <a:t>23/08/2024</a:t>
+              <a:t>26/10/2024</a:t>
             </a:fld>
             <a:endParaRPr lang="en-GB"/>
           </a:p>
@@ -1234,7 +1239,7 @@
           <a:p>
             <a:fld id="{508C4F5B-0C92-EA47-A096-AA25B23AE7F0}" type="datetimeFigureOut">
               <a:rPr lang="en-GB" smtClean="0"/>
-              <a:t>23/08/2024</a:t>
+              <a:t>26/10/2024</a:t>
             </a:fld>
             <a:endParaRPr lang="en-GB"/>
           </a:p>
@@ -1601,7 +1606,7 @@
           <a:p>
             <a:fld id="{508C4F5B-0C92-EA47-A096-AA25B23AE7F0}" type="datetimeFigureOut">
               <a:rPr lang="en-GB" smtClean="0"/>
-              <a:t>23/08/2024</a:t>
+              <a:t>26/10/2024</a:t>
             </a:fld>
             <a:endParaRPr lang="en-GB"/>
           </a:p>
@@ -1719,7 +1724,7 @@
           <a:p>
             <a:fld id="{508C4F5B-0C92-EA47-A096-AA25B23AE7F0}" type="datetimeFigureOut">
               <a:rPr lang="en-GB" smtClean="0"/>
-              <a:t>23/08/2024</a:t>
+              <a:t>26/10/2024</a:t>
             </a:fld>
             <a:endParaRPr lang="en-GB"/>
           </a:p>
@@ -1814,7 +1819,7 @@
           <a:p>
             <a:fld id="{508C4F5B-0C92-EA47-A096-AA25B23AE7F0}" type="datetimeFigureOut">
               <a:rPr lang="en-GB" smtClean="0"/>
-              <a:t>23/08/2024</a:t>
+              <a:t>26/10/2024</a:t>
             </a:fld>
             <a:endParaRPr lang="en-GB"/>
           </a:p>
@@ -2091,7 +2096,7 @@
           <a:p>
             <a:fld id="{508C4F5B-0C92-EA47-A096-AA25B23AE7F0}" type="datetimeFigureOut">
               <a:rPr lang="en-GB" smtClean="0"/>
-              <a:t>23/08/2024</a:t>
+              <a:t>26/10/2024</a:t>
             </a:fld>
             <a:endParaRPr lang="en-GB"/>
           </a:p>
@@ -2348,7 +2353,7 @@
           <a:p>
             <a:fld id="{508C4F5B-0C92-EA47-A096-AA25B23AE7F0}" type="datetimeFigureOut">
               <a:rPr lang="en-GB" smtClean="0"/>
-              <a:t>23/08/2024</a:t>
+              <a:t>26/10/2024</a:t>
             </a:fld>
             <a:endParaRPr lang="en-GB"/>
           </a:p>
@@ -2561,7 +2566,7 @@
           <a:p>
             <a:fld id="{508C4F5B-0C92-EA47-A096-AA25B23AE7F0}" type="datetimeFigureOut">
               <a:rPr lang="en-GB" smtClean="0"/>
-              <a:t>23/08/2024</a:t>
+              <a:t>26/10/2024</a:t>
             </a:fld>
             <a:endParaRPr lang="en-GB"/>
           </a:p>
@@ -2980,11 +2985,17 @@
               <p:cNvGraphicFramePr>
                 <a:graphicFrameLocks noChangeAspect="1"/>
               </p:cNvGraphicFramePr>
-              <p:nvPr/>
+              <p:nvPr>
+                <p:extLst>
+                  <p:ext uri="{D42A27DB-BD31-4B8C-83A1-F6EECF244321}">
+                    <p14:modId xmlns:p14="http://schemas.microsoft.com/office/powerpoint/2010/main" val="3397058918"/>
+                  </p:ext>
+                </p:extLst>
+              </p:nvPr>
             </p:nvGraphicFramePr>
             <p:xfrm rot="5400000">
-              <a:off x="3073099" y="0"/>
-              <a:ext cx="2494564" cy="2880000"/>
+              <a:off x="2879721" y="-1069"/>
+              <a:ext cx="2880000" cy="2880000"/>
             </p:xfrm>
             <a:graphic>
               <a:graphicData uri="http://schemas.microsoft.com/office/powerpoint/2016/slidezoom">
@@ -3000,7 +3011,7 @@
                       <p166:spPr xmlns:p166="http://schemas.microsoft.com/office/powerpoint/2016/6/main">
                         <a:xfrm rot="5400000">
                           <a:off x="0" y="0"/>
-                          <a:ext cx="2494564" cy="2880000"/>
+                          <a:ext cx="2880000" cy="2880000"/>
                         </a:xfrm>
                         <a:prstGeom prst="rect">
                           <a:avLst/>
@@ -3042,8 +3053,8 @@
             </p:blipFill>
             <p:spPr>
               <a:xfrm rot="5400000">
-                <a:off x="3073099" y="0"/>
-                <a:ext cx="2494564" cy="2880000"/>
+                <a:off x="2879721" y="-1069"/>
+                <a:ext cx="2880000" cy="2880000"/>
               </a:xfrm>
               <a:prstGeom prst="rect">
                 <a:avLst/>
@@ -3071,11 +3082,17 @@
               <p:cNvGraphicFramePr>
                 <a:graphicFrameLocks noChangeAspect="1"/>
               </p:cNvGraphicFramePr>
-              <p:nvPr/>
+              <p:nvPr>
+                <p:extLst>
+                  <p:ext uri="{D42A27DB-BD31-4B8C-83A1-F6EECF244321}">
+                    <p14:modId xmlns:p14="http://schemas.microsoft.com/office/powerpoint/2010/main" val="3240038708"/>
+                  </p:ext>
+                </p:extLst>
+              </p:nvPr>
             </p:nvGraphicFramePr>
             <p:xfrm rot="5400000">
-              <a:off x="578535" y="1440610"/>
-              <a:ext cx="2494564" cy="2880000"/>
+              <a:off x="385487" y="1432205"/>
+              <a:ext cx="2880000" cy="2880000"/>
             </p:xfrm>
             <a:graphic>
               <a:graphicData uri="http://schemas.microsoft.com/office/powerpoint/2016/slidezoom">
@@ -3091,7 +3108,7 @@
                       <p166:spPr xmlns:p166="http://schemas.microsoft.com/office/powerpoint/2016/6/main">
                         <a:xfrm rot="5400000">
                           <a:off x="0" y="0"/>
-                          <a:ext cx="2494564" cy="2880000"/>
+                          <a:ext cx="2880000" cy="2880000"/>
                         </a:xfrm>
                         <a:prstGeom prst="rect">
                           <a:avLst/>
@@ -3133,8 +3150,8 @@
             </p:blipFill>
             <p:spPr>
               <a:xfrm rot="5400000">
-                <a:off x="578535" y="1440610"/>
-                <a:ext cx="2494564" cy="2880000"/>
+                <a:off x="385487" y="1432205"/>
+                <a:ext cx="2880000" cy="2880000"/>
               </a:xfrm>
               <a:prstGeom prst="rect">
                 <a:avLst/>
@@ -3162,11 +3179,17 @@
               <p:cNvGraphicFramePr>
                 <a:graphicFrameLocks noChangeAspect="1"/>
               </p:cNvGraphicFramePr>
-              <p:nvPr/>
+              <p:nvPr>
+                <p:extLst>
+                  <p:ext uri="{D42A27DB-BD31-4B8C-83A1-F6EECF244321}">
+                    <p14:modId xmlns:p14="http://schemas.microsoft.com/office/powerpoint/2010/main" val="3844921104"/>
+                  </p:ext>
+                </p:extLst>
+              </p:nvPr>
             </p:nvGraphicFramePr>
             <p:xfrm rot="5400000">
-              <a:off x="5567663" y="1440381"/>
-              <a:ext cx="2494564" cy="2880000"/>
+              <a:off x="5374615" y="1432205"/>
+              <a:ext cx="2880000" cy="2880000"/>
             </p:xfrm>
             <a:graphic>
               <a:graphicData uri="http://schemas.microsoft.com/office/powerpoint/2016/slidezoom">
@@ -3182,7 +3205,7 @@
                       <p166:spPr xmlns:p166="http://schemas.microsoft.com/office/powerpoint/2016/6/main">
                         <a:xfrm rot="5400000">
                           <a:off x="0" y="0"/>
-                          <a:ext cx="2494564" cy="2880000"/>
+                          <a:ext cx="2880000" cy="2880000"/>
                         </a:xfrm>
                         <a:prstGeom prst="rect">
                           <a:avLst/>
@@ -3224,8 +3247,8 @@
             </p:blipFill>
             <p:spPr>
               <a:xfrm rot="5400000">
-                <a:off x="5567663" y="1440381"/>
-                <a:ext cx="2494564" cy="2880000"/>
+                <a:off x="5374615" y="1432205"/>
+                <a:ext cx="2880000" cy="2880000"/>
               </a:xfrm>
               <a:prstGeom prst="rect">
                 <a:avLst/>
@@ -3253,11 +3276,17 @@
               <p:cNvGraphicFramePr>
                 <a:graphicFrameLocks noChangeAspect="1"/>
               </p:cNvGraphicFramePr>
-              <p:nvPr/>
+              <p:nvPr>
+                <p:extLst>
+                  <p:ext uri="{D42A27DB-BD31-4B8C-83A1-F6EECF244321}">
+                    <p14:modId xmlns:p14="http://schemas.microsoft.com/office/powerpoint/2010/main" val="3199308441"/>
+                  </p:ext>
+                </p:extLst>
+              </p:nvPr>
             </p:nvGraphicFramePr>
             <p:xfrm rot="5400000">
-              <a:off x="578205" y="4320152"/>
-              <a:ext cx="2494564" cy="2880000"/>
+              <a:off x="385487" y="4320381"/>
+              <a:ext cx="2880000" cy="2880000"/>
             </p:xfrm>
             <a:graphic>
               <a:graphicData uri="http://schemas.microsoft.com/office/powerpoint/2016/slidezoom">
@@ -3273,7 +3302,7 @@
                       <p166:spPr xmlns:p166="http://schemas.microsoft.com/office/powerpoint/2016/6/main">
                         <a:xfrm rot="5400000">
                           <a:off x="0" y="0"/>
-                          <a:ext cx="2494564" cy="2880000"/>
+                          <a:ext cx="2880000" cy="2880000"/>
                         </a:xfrm>
                         <a:prstGeom prst="rect">
                           <a:avLst/>
@@ -3315,8 +3344,8 @@
             </p:blipFill>
             <p:spPr>
               <a:xfrm rot="5400000">
-                <a:off x="578205" y="4320152"/>
-                <a:ext cx="2494564" cy="2880000"/>
+                <a:off x="385487" y="4320381"/>
+                <a:ext cx="2880000" cy="2880000"/>
               </a:xfrm>
               <a:prstGeom prst="rect">
                 <a:avLst/>
@@ -3344,11 +3373,17 @@
               <p:cNvGraphicFramePr>
                 <a:graphicFrameLocks noChangeAspect="1"/>
               </p:cNvGraphicFramePr>
-              <p:nvPr/>
+              <p:nvPr>
+                <p:extLst>
+                  <p:ext uri="{D42A27DB-BD31-4B8C-83A1-F6EECF244321}">
+                    <p14:modId xmlns:p14="http://schemas.microsoft.com/office/powerpoint/2010/main" val="52064288"/>
+                  </p:ext>
+                </p:extLst>
+              </p:nvPr>
             </p:nvGraphicFramePr>
             <p:xfrm rot="5400000">
-              <a:off x="5567333" y="4320152"/>
-              <a:ext cx="2494564" cy="2880000"/>
+              <a:off x="5373625" y="4320381"/>
+              <a:ext cx="2880000" cy="2880000"/>
             </p:xfrm>
             <a:graphic>
               <a:graphicData uri="http://schemas.microsoft.com/office/powerpoint/2016/slidezoom">
@@ -3364,7 +3399,7 @@
                       <p166:spPr xmlns:p166="http://schemas.microsoft.com/office/powerpoint/2016/6/main">
                         <a:xfrm rot="5400000">
                           <a:off x="0" y="0"/>
-                          <a:ext cx="2494564" cy="2880000"/>
+                          <a:ext cx="2880000" cy="2880000"/>
                         </a:xfrm>
                         <a:prstGeom prst="rect">
                           <a:avLst/>
@@ -3406,8 +3441,8 @@
             </p:blipFill>
             <p:spPr>
               <a:xfrm rot="5400000">
-                <a:off x="5567333" y="4320152"/>
-                <a:ext cx="2494564" cy="2880000"/>
+                <a:off x="5373625" y="4320381"/>
+                <a:ext cx="2880000" cy="2880000"/>
               </a:xfrm>
               <a:prstGeom prst="rect">
                 <a:avLst/>
@@ -3435,11 +3470,17 @@
               <p:cNvGraphicFramePr>
                 <a:graphicFrameLocks noChangeAspect="1"/>
               </p:cNvGraphicFramePr>
-              <p:nvPr/>
+              <p:nvPr>
+                <p:extLst>
+                  <p:ext uri="{D42A27DB-BD31-4B8C-83A1-F6EECF244321}">
+                    <p14:modId xmlns:p14="http://schemas.microsoft.com/office/powerpoint/2010/main" val="1681790238"/>
+                  </p:ext>
+                </p:extLst>
+              </p:nvPr>
             </p:nvGraphicFramePr>
             <p:xfrm rot="5400000">
-              <a:off x="3073099" y="5760762"/>
-              <a:ext cx="2494564" cy="2880000"/>
+              <a:off x="2879721" y="5760151"/>
+              <a:ext cx="2880000" cy="2880000"/>
             </p:xfrm>
             <a:graphic>
               <a:graphicData uri="http://schemas.microsoft.com/office/powerpoint/2016/slidezoom">
@@ -3455,7 +3496,7 @@
                       <p166:spPr xmlns:p166="http://schemas.microsoft.com/office/powerpoint/2016/6/main">
                         <a:xfrm rot="5400000">
                           <a:off x="0" y="0"/>
-                          <a:ext cx="2494564" cy="2880000"/>
+                          <a:ext cx="2880000" cy="2880000"/>
                         </a:xfrm>
                         <a:prstGeom prst="rect">
                           <a:avLst/>
@@ -3497,8 +3538,8 @@
             </p:blipFill>
             <p:spPr>
               <a:xfrm rot="5400000">
-                <a:off x="3073099" y="5760762"/>
-                <a:ext cx="2494564" cy="2880000"/>
+                <a:off x="2879721" y="5760151"/>
+                <a:ext cx="2880000" cy="2880000"/>
               </a:xfrm>
               <a:prstGeom prst="rect">
                 <a:avLst/>
@@ -3526,11 +3567,17 @@
               <p:cNvGraphicFramePr>
                 <a:graphicFrameLocks noChangeAspect="1"/>
               </p:cNvGraphicFramePr>
-              <p:nvPr/>
+              <p:nvPr>
+                <p:extLst>
+                  <p:ext uri="{D42A27DB-BD31-4B8C-83A1-F6EECF244321}">
+                    <p14:modId xmlns:p14="http://schemas.microsoft.com/office/powerpoint/2010/main" val="2571735897"/>
+                  </p:ext>
+                </p:extLst>
+              </p:nvPr>
             </p:nvGraphicFramePr>
             <p:xfrm rot="5400000">
-              <a:off x="3072439" y="2879541"/>
-              <a:ext cx="2494564" cy="2880000"/>
+              <a:off x="2879721" y="2876178"/>
+              <a:ext cx="2880000" cy="2880000"/>
             </p:xfrm>
             <a:graphic>
               <a:graphicData uri="http://schemas.microsoft.com/office/powerpoint/2016/slidezoom">
@@ -3546,7 +3593,7 @@
                       <p166:spPr xmlns:p166="http://schemas.microsoft.com/office/powerpoint/2016/6/main">
                         <a:xfrm rot="5400000">
                           <a:off x="0" y="0"/>
-                          <a:ext cx="2494564" cy="2880000"/>
+                          <a:ext cx="2880000" cy="2880000"/>
                         </a:xfrm>
                         <a:prstGeom prst="rect">
                           <a:avLst/>
@@ -3588,8 +3635,8 @@
             </p:blipFill>
             <p:spPr>
               <a:xfrm rot="5400000">
-                <a:off x="3072439" y="2879541"/>
-                <a:ext cx="2494564" cy="2880000"/>
+                <a:off x="2879721" y="2876178"/>
+                <a:ext cx="2880000" cy="2880000"/>
               </a:xfrm>
               <a:prstGeom prst="rect">
                 <a:avLst/>
